--- a/세미나/AlexNet (김형래).pptx
+++ b/세미나/AlexNet (김형래).pptx
@@ -279,7 +279,7 @@
             <a:fld id="{06B3010E-A372-4AD6-9604-74B08FADCE6E}" type="datetimeFigureOut">
               <a:rPr lang="ko-KR" altLang="en-US" smtClean="0"/>
               <a:pPr/>
-              <a:t>2019-03-20</a:t>
+              <a:t>2019-03-21</a:t>
             </a:fld>
             <a:endParaRPr lang="ko-KR" altLang="en-US" dirty="0"/>
           </a:p>
@@ -3611,6 +3611,409 @@
 </p:notes>
 </file>
 
+<file path=ppt/notesSlides/notesSlide14.xml><?xml version="1.0" encoding="utf-8"?>
+<p:notes xmlns:a="http://schemas.openxmlformats.org/drawingml/2006/main" xmlns:r="http://schemas.openxmlformats.org/officeDocument/2006/relationships" xmlns:p="http://schemas.openxmlformats.org/presentationml/2006/main">
+  <p:cSld>
+    <p:spTree>
+      <p:nvGrpSpPr>
+        <p:cNvPr id="1" name=""/>
+        <p:cNvGrpSpPr/>
+        <p:nvPr/>
+      </p:nvGrpSpPr>
+      <p:grpSpPr>
+        <a:xfrm>
+          <a:off x="0" y="0"/>
+          <a:ext cx="0" cy="0"/>
+          <a:chOff x="0" y="0"/>
+          <a:chExt cx="0" cy="0"/>
+        </a:xfrm>
+      </p:grpSpPr>
+      <p:sp>
+        <p:nvSpPr>
+          <p:cNvPr id="2" name="슬라이드 이미지 개체 틀 1"/>
+          <p:cNvSpPr>
+            <a:spLocks noGrp="1" noRot="1" noChangeAspect="1"/>
+          </p:cNvSpPr>
+          <p:nvPr>
+            <p:ph type="sldImg"/>
+          </p:nvPr>
+        </p:nvSpPr>
+        <p:spPr>
+          <a:xfrm>
+            <a:off x="1165225" y="1241425"/>
+            <a:ext cx="4467225" cy="3349625"/>
+          </a:xfrm>
+          <a:prstGeom prst="rect">
+            <a:avLst/>
+          </a:prstGeom>
+          <a:noFill/>
+          <a:ln w="12700">
+            <a:solidFill>
+              <a:prstClr val="black"/>
+            </a:solidFill>
+          </a:ln>
+        </p:spPr>
+      </p:sp>
+      <p:sp>
+        <p:nvSpPr>
+          <p:cNvPr id="3" name="슬라이드 노트 개체 틀 2"/>
+          <p:cNvSpPr>
+            <a:spLocks noGrp="1"/>
+          </p:cNvSpPr>
+          <p:nvPr>
+            <p:ph type="body" idx="1"/>
+          </p:nvPr>
+        </p:nvSpPr>
+        <p:spPr/>
+        <p:txBody>
+          <a:bodyPr/>
+          <a:lstStyle/>
+          <a:p>
+            <a:r>
+              <a:rPr lang="en-US" altLang="ko-KR" dirty="0" err="1"/>
+              <a:t>LeNet</a:t>
+            </a:r>
+            <a:r>
+              <a:rPr lang="ko-KR" altLang="en-US" dirty="0"/>
+              <a:t>과 유사한 구조</a:t>
+            </a:r>
+            <a:r>
+              <a:rPr lang="en-US" altLang="ko-KR" dirty="0"/>
+              <a:t> </a:t>
+            </a:r>
+            <a:r>
+              <a:rPr lang="ko-KR" altLang="en-US" dirty="0"/>
+              <a:t>이지만 깊은 신경망을 사용하여 특징을 더욱 잘 추출</a:t>
+            </a:r>
+            <a:r>
+              <a:rPr lang="en-US" altLang="ko-KR" dirty="0"/>
+              <a:t>.</a:t>
+            </a:r>
+          </a:p>
+          <a:p>
+            <a:r>
+              <a:rPr lang="ko-KR" altLang="en-US" dirty="0"/>
+              <a:t>성능개선을 위해 가능한 방법을 모두 동원하였다</a:t>
+            </a:r>
+            <a:r>
+              <a:rPr lang="en-US" altLang="ko-KR" dirty="0"/>
+              <a:t>.</a:t>
+            </a:r>
+          </a:p>
+          <a:p>
+            <a:r>
+              <a:rPr lang="ko-KR" altLang="en-US" dirty="0"/>
+              <a:t>학습시키는데 일주일정도 걸린다</a:t>
+            </a:r>
+            <a:r>
+              <a:rPr lang="en-US" altLang="ko-KR" dirty="0"/>
+              <a:t>. </a:t>
+            </a:r>
+            <a:r>
+              <a:rPr lang="ko-KR" altLang="en-US" dirty="0"/>
+              <a:t>뒤쪽의 </a:t>
+            </a:r>
+            <a:r>
+              <a:rPr lang="en-US" altLang="ko-KR" dirty="0"/>
+              <a:t>FC</a:t>
+            </a:r>
+            <a:r>
+              <a:rPr lang="ko-KR" altLang="en-US" dirty="0"/>
+              <a:t>의 수가 너무 크다</a:t>
+            </a:r>
+            <a:r>
+              <a:rPr lang="en-US" altLang="ko-KR" dirty="0"/>
+              <a:t>. </a:t>
+            </a:r>
+          </a:p>
+          <a:p>
+            <a:r>
+              <a:rPr lang="ko-KR" altLang="en-US" dirty="0" err="1"/>
+              <a:t>하이퍼</a:t>
+            </a:r>
+            <a:r>
+              <a:rPr lang="ko-KR" altLang="en-US" dirty="0"/>
+              <a:t> 파라미터를 어떻게 최적화 시키는지 궁금</a:t>
+            </a:r>
+            <a:r>
+              <a:rPr lang="en-US" altLang="ko-KR" dirty="0"/>
+              <a:t>,</a:t>
+            </a:r>
+            <a:r>
+              <a:rPr lang="ko-KR" altLang="en-US" dirty="0"/>
+              <a:t> </a:t>
+            </a:r>
+            <a:r>
+              <a:rPr lang="ko-KR" altLang="en-US" dirty="0" err="1"/>
+              <a:t>학습시킬수는</a:t>
+            </a:r>
+            <a:r>
+              <a:rPr lang="ko-KR" altLang="en-US" dirty="0"/>
+              <a:t> 없나</a:t>
+            </a:r>
+            <a:r>
+              <a:rPr lang="en-US" altLang="ko-KR" dirty="0"/>
+              <a:t>?</a:t>
+            </a:r>
+          </a:p>
+          <a:p>
+            <a:r>
+              <a:rPr lang="en-US" altLang="ko-KR" sz="1200" b="0" i="0" kern="1200" dirty="0">
+                <a:solidFill>
+                  <a:schemeClr val="tx1"/>
+                </a:solidFill>
+                <a:effectLst/>
+                <a:latin typeface="+mn-lt"/>
+                <a:ea typeface="+mn-ea"/>
+                <a:cs typeface="+mn-cs"/>
+              </a:rPr>
+              <a:t>- Learning Hyper Parameter</a:t>
+            </a:r>
+          </a:p>
+          <a:p>
+            <a:r>
+              <a:rPr lang="en-US" altLang="ko-KR" sz="1200" b="0" i="0" kern="1200" dirty="0">
+                <a:solidFill>
+                  <a:schemeClr val="tx1"/>
+                </a:solidFill>
+                <a:effectLst/>
+                <a:latin typeface="+mn-lt"/>
+                <a:ea typeface="+mn-ea"/>
+                <a:cs typeface="+mn-cs"/>
+              </a:rPr>
+              <a:t>1) SGD w/ batch size = 128</a:t>
+            </a:r>
+          </a:p>
+          <a:p>
+            <a:r>
+              <a:rPr lang="en-US" altLang="ko-KR" sz="1200" b="0" i="0" kern="1200" dirty="0">
+                <a:solidFill>
+                  <a:schemeClr val="tx1"/>
+                </a:solidFill>
+                <a:effectLst/>
+                <a:latin typeface="+mn-lt"/>
+                <a:ea typeface="+mn-ea"/>
+                <a:cs typeface="+mn-cs"/>
+              </a:rPr>
+              <a:t>2) momentum = 0.9</a:t>
+            </a:r>
+          </a:p>
+          <a:p>
+            <a:r>
+              <a:rPr lang="en-US" altLang="ko-KR" sz="1200" b="0" i="0" kern="1200" dirty="0">
+                <a:solidFill>
+                  <a:schemeClr val="tx1"/>
+                </a:solidFill>
+                <a:effectLst/>
+                <a:latin typeface="+mn-lt"/>
+                <a:ea typeface="+mn-ea"/>
+                <a:cs typeface="+mn-cs"/>
+              </a:rPr>
+              <a:t>3) weight decay = 0.0005</a:t>
+            </a:r>
+          </a:p>
+          <a:p>
+            <a:r>
+              <a:rPr lang="en-US" altLang="ko-KR" sz="1200" b="0" i="0" kern="1200" dirty="0">
+                <a:solidFill>
+                  <a:schemeClr val="tx1"/>
+                </a:solidFill>
+                <a:effectLst/>
+                <a:latin typeface="+mn-lt"/>
+                <a:ea typeface="+mn-ea"/>
+                <a:cs typeface="+mn-cs"/>
+              </a:rPr>
+              <a:t>4) </a:t>
+            </a:r>
+            <a:r>
+              <a:rPr lang="ko-KR" altLang="en-US" sz="1200" b="0" i="0" kern="1200" dirty="0">
+                <a:solidFill>
+                  <a:schemeClr val="tx1"/>
+                </a:solidFill>
+                <a:effectLst/>
+                <a:latin typeface="+mn-lt"/>
+                <a:ea typeface="+mn-ea"/>
+                <a:cs typeface="+mn-cs"/>
+              </a:rPr>
+              <a:t>각 </a:t>
+            </a:r>
+            <a:r>
+              <a:rPr lang="en-US" altLang="ko-KR" sz="1200" b="0" i="0" kern="1200" dirty="0">
+                <a:solidFill>
+                  <a:schemeClr val="tx1"/>
+                </a:solidFill>
+                <a:effectLst/>
+                <a:latin typeface="+mn-lt"/>
+                <a:ea typeface="+mn-ea"/>
+                <a:cs typeface="+mn-cs"/>
+              </a:rPr>
+              <a:t>Layer weight </a:t>
+            </a:r>
+            <a:r>
+              <a:rPr lang="ko-KR" altLang="en-US" sz="1200" b="0" i="0" kern="1200" dirty="0">
+                <a:solidFill>
+                  <a:schemeClr val="tx1"/>
+                </a:solidFill>
+                <a:effectLst/>
+                <a:latin typeface="+mn-lt"/>
+                <a:ea typeface="+mn-ea"/>
+                <a:cs typeface="+mn-cs"/>
+              </a:rPr>
+              <a:t>초기화</a:t>
+            </a:r>
+            <a:r>
+              <a:rPr lang="en-US" altLang="ko-KR" sz="1200" b="0" i="0" kern="1200" dirty="0">
+                <a:solidFill>
+                  <a:schemeClr val="tx1"/>
+                </a:solidFill>
+                <a:effectLst/>
+                <a:latin typeface="+mn-lt"/>
+                <a:ea typeface="+mn-ea"/>
+                <a:cs typeface="+mn-cs"/>
+              </a:rPr>
+              <a:t>(</a:t>
+            </a:r>
+            <a:r>
+              <a:rPr lang="ko-KR" altLang="en-US" sz="1200" b="0" i="0" kern="1200" dirty="0">
+                <a:solidFill>
+                  <a:schemeClr val="tx1"/>
+                </a:solidFill>
+                <a:effectLst/>
+                <a:latin typeface="+mn-lt"/>
+                <a:ea typeface="+mn-ea"/>
+                <a:cs typeface="+mn-cs"/>
+              </a:rPr>
+              <a:t>표준편차 </a:t>
+            </a:r>
+            <a:r>
+              <a:rPr lang="en-US" altLang="ko-KR" sz="1200" b="0" i="0" kern="1200" dirty="0">
+                <a:solidFill>
+                  <a:schemeClr val="tx1"/>
+                </a:solidFill>
+                <a:effectLst/>
+                <a:latin typeface="+mn-lt"/>
+                <a:ea typeface="+mn-ea"/>
+                <a:cs typeface="+mn-cs"/>
+              </a:rPr>
+              <a:t>= 0.01 w/ zero-mean Gaussian distribution)</a:t>
+            </a:r>
+          </a:p>
+          <a:p>
+            <a:r>
+              <a:rPr lang="en-US" altLang="ko-KR" sz="1200" b="0" i="0" kern="1200" dirty="0">
+                <a:solidFill>
+                  <a:schemeClr val="tx1"/>
+                </a:solidFill>
+                <a:effectLst/>
+                <a:latin typeface="+mn-lt"/>
+                <a:ea typeface="+mn-ea"/>
+                <a:cs typeface="+mn-cs"/>
+              </a:rPr>
+              <a:t>5) convolution 2,4,5 </a:t>
+            </a:r>
+            <a:r>
+              <a:rPr lang="ko-KR" altLang="en-US" sz="1200" b="0" i="0" kern="1200" dirty="0">
+                <a:solidFill>
+                  <a:schemeClr val="tx1"/>
+                </a:solidFill>
+                <a:effectLst/>
+                <a:latin typeface="+mn-lt"/>
+                <a:ea typeface="+mn-ea"/>
+                <a:cs typeface="+mn-cs"/>
+              </a:rPr>
+              <a:t>및 </a:t>
+            </a:r>
+            <a:r>
+              <a:rPr lang="en-US" altLang="ko-KR" sz="1200" b="0" i="0" kern="1200" dirty="0">
+                <a:solidFill>
+                  <a:schemeClr val="tx1"/>
+                </a:solidFill>
+                <a:effectLst/>
+                <a:latin typeface="+mn-lt"/>
+                <a:ea typeface="+mn-ea"/>
+                <a:cs typeface="+mn-cs"/>
+              </a:rPr>
+              <a:t>fc layer bias </a:t>
+            </a:r>
+            <a:r>
+              <a:rPr lang="ko-KR" altLang="en-US" sz="1200" b="0" i="0" kern="1200" dirty="0">
+                <a:solidFill>
+                  <a:schemeClr val="tx1"/>
+                </a:solidFill>
+                <a:effectLst/>
+                <a:latin typeface="+mn-lt"/>
+                <a:ea typeface="+mn-ea"/>
+                <a:cs typeface="+mn-cs"/>
+              </a:rPr>
+              <a:t>초기화 </a:t>
+            </a:r>
+            <a:r>
+              <a:rPr lang="en-US" altLang="ko-KR" sz="1200" b="0" i="0" kern="1200" dirty="0">
+                <a:solidFill>
+                  <a:schemeClr val="tx1"/>
+                </a:solidFill>
+                <a:effectLst/>
+                <a:latin typeface="+mn-lt"/>
+                <a:ea typeface="+mn-ea"/>
+                <a:cs typeface="+mn-cs"/>
+              </a:rPr>
+              <a:t>1, </a:t>
+            </a:r>
+            <a:r>
+              <a:rPr lang="ko-KR" altLang="en-US" sz="1200" b="0" i="0" kern="1200" dirty="0">
+                <a:solidFill>
+                  <a:schemeClr val="tx1"/>
+                </a:solidFill>
+                <a:effectLst/>
+                <a:latin typeface="+mn-lt"/>
+                <a:ea typeface="+mn-ea"/>
+                <a:cs typeface="+mn-cs"/>
+              </a:rPr>
+              <a:t>나머지 </a:t>
+            </a:r>
+            <a:r>
+              <a:rPr lang="en-US" altLang="ko-KR" sz="1200" b="0" i="0" kern="1200" dirty="0">
+                <a:solidFill>
+                  <a:schemeClr val="tx1"/>
+                </a:solidFill>
+                <a:effectLst/>
+                <a:latin typeface="+mn-lt"/>
+                <a:ea typeface="+mn-ea"/>
+                <a:cs typeface="+mn-cs"/>
+              </a:rPr>
+              <a:t>layer 0</a:t>
+            </a:r>
+          </a:p>
+          <a:p>
+            <a:r>
+              <a:rPr lang="en-US" altLang="ko-KR" sz="1200" b="0" i="0" kern="1200" dirty="0">
+                <a:solidFill>
+                  <a:schemeClr val="tx1"/>
+                </a:solidFill>
+                <a:effectLst/>
+                <a:latin typeface="+mn-lt"/>
+                <a:ea typeface="+mn-ea"/>
+                <a:cs typeface="+mn-cs"/>
+              </a:rPr>
+              <a:t>6) Learning rate = 0.01</a:t>
+            </a:r>
+            <a:endParaRPr lang="ko-KR" altLang="en-US" dirty="0"/>
+          </a:p>
+        </p:txBody>
+      </p:sp>
+    </p:spTree>
+    <p:extLst>
+      <p:ext uri="{BB962C8B-B14F-4D97-AF65-F5344CB8AC3E}">
+        <p14:creationId xmlns:p14="http://schemas.microsoft.com/office/powerpoint/2010/main" val="1340357685"/>
+      </p:ext>
+    </p:extLst>
+  </p:cSld>
+  <p:clrMapOvr>
+    <a:masterClrMapping/>
+  </p:clrMapOvr>
+</p:notes>
+</file>
+
 <file path=ppt/notesSlides/notesSlide2.xml><?xml version="1.0" encoding="utf-8"?>
 <p:notes xmlns:a="http://schemas.openxmlformats.org/drawingml/2006/main" xmlns:r="http://schemas.openxmlformats.org/officeDocument/2006/relationships" xmlns:p="http://schemas.openxmlformats.org/presentationml/2006/main">
   <p:cSld>
@@ -3669,6 +4072,150 @@
           <a:bodyPr/>
           <a:lstStyle/>
           <a:p>
+            <a:r>
+              <a:rPr lang="ko-KR" altLang="en-US" sz="1200" b="0" i="0" kern="1200" dirty="0">
+                <a:solidFill>
+                  <a:schemeClr val="tx1"/>
+                </a:solidFill>
+                <a:effectLst/>
+                <a:latin typeface="+mn-lt"/>
+                <a:ea typeface="+mn-ea"/>
+                <a:cs typeface="+mn-cs"/>
+              </a:rPr>
+              <a:t>특히 많은 층을 가진 네트워크를 배우는 것이 매우 어려웠으며</a:t>
+            </a:r>
+            <a:r>
+              <a:rPr lang="en-US" altLang="ko-KR" sz="1200" b="0" i="0" kern="1200" dirty="0">
+                <a:solidFill>
+                  <a:schemeClr val="tx1"/>
+                </a:solidFill>
+                <a:effectLst/>
+                <a:latin typeface="+mn-lt"/>
+                <a:ea typeface="+mn-ea"/>
+                <a:cs typeface="+mn-cs"/>
+              </a:rPr>
+              <a:t>, </a:t>
+            </a:r>
+            <a:r>
+              <a:rPr lang="ko-KR" altLang="en-US" sz="1200" b="0" i="0" kern="1200" dirty="0">
+                <a:solidFill>
+                  <a:schemeClr val="tx1"/>
+                </a:solidFill>
+                <a:effectLst/>
+                <a:latin typeface="+mn-lt"/>
+                <a:ea typeface="+mn-ea"/>
+                <a:cs typeface="+mn-cs"/>
+              </a:rPr>
+              <a:t>이는 가장 인상적인 결과를 가져야했던 네트워크였습니다</a:t>
+            </a:r>
+            <a:r>
+              <a:rPr lang="en-US" altLang="ko-KR" sz="1200" b="0" i="0" kern="1200" dirty="0">
+                <a:solidFill>
+                  <a:schemeClr val="tx1"/>
+                </a:solidFill>
+                <a:effectLst/>
+                <a:latin typeface="+mn-lt"/>
+                <a:ea typeface="+mn-ea"/>
+                <a:cs typeface="+mn-cs"/>
+              </a:rPr>
+              <a:t>. </a:t>
+            </a:r>
+            <a:r>
+              <a:rPr lang="ko-KR" altLang="en-US" sz="1200" b="0" i="0" kern="1200" dirty="0">
+                <a:solidFill>
+                  <a:schemeClr val="tx1"/>
+                </a:solidFill>
+                <a:effectLst/>
+                <a:latin typeface="+mn-lt"/>
+                <a:ea typeface="+mn-ea"/>
+                <a:cs typeface="+mn-cs"/>
+              </a:rPr>
+              <a:t>많은 연구자들은 무작위 초기 가중치로부터 깊은 신경망을 배우는 것이 너무 어렵다고 잘못 결론지었습니다</a:t>
+            </a:r>
+            <a:r>
+              <a:rPr lang="en-US" altLang="ko-KR" sz="1200" b="0" i="0" kern="1200" dirty="0">
+                <a:solidFill>
+                  <a:schemeClr val="tx1"/>
+                </a:solidFill>
+                <a:effectLst/>
+                <a:latin typeface="+mn-lt"/>
+                <a:ea typeface="+mn-ea"/>
+                <a:cs typeface="+mn-cs"/>
+              </a:rPr>
+              <a:t>. 20</a:t>
+            </a:r>
+            <a:r>
+              <a:rPr lang="ko-KR" altLang="en-US" sz="1200" b="0" i="0" kern="1200" dirty="0">
+                <a:solidFill>
+                  <a:schemeClr val="tx1"/>
+                </a:solidFill>
+                <a:effectLst/>
+                <a:latin typeface="+mn-lt"/>
+                <a:ea typeface="+mn-ea"/>
+                <a:cs typeface="+mn-cs"/>
+              </a:rPr>
+              <a:t>년 후</a:t>
+            </a:r>
+            <a:r>
+              <a:rPr lang="en-US" altLang="ko-KR" sz="1200" b="0" i="0" kern="1200" dirty="0">
+                <a:solidFill>
+                  <a:schemeClr val="tx1"/>
+                </a:solidFill>
+                <a:effectLst/>
+                <a:latin typeface="+mn-lt"/>
+                <a:ea typeface="+mn-ea"/>
+                <a:cs typeface="+mn-cs"/>
+              </a:rPr>
+              <a:t>, </a:t>
+            </a:r>
+            <a:r>
+              <a:rPr lang="ko-KR" altLang="en-US" sz="1200" b="0" i="0" kern="1200" dirty="0">
+                <a:solidFill>
+                  <a:schemeClr val="tx1"/>
+                </a:solidFill>
+                <a:effectLst/>
+                <a:latin typeface="+mn-lt"/>
+                <a:ea typeface="+mn-ea"/>
+                <a:cs typeface="+mn-cs"/>
+              </a:rPr>
+              <a:t>우리는 무엇이 잘못되었는지를 알고 있습니다</a:t>
+            </a:r>
+            <a:r>
+              <a:rPr lang="en-US" altLang="ko-KR" sz="1200" b="0" i="0" kern="1200" dirty="0">
+                <a:solidFill>
+                  <a:schemeClr val="tx1"/>
+                </a:solidFill>
+                <a:effectLst/>
+                <a:latin typeface="+mn-lt"/>
+                <a:ea typeface="+mn-ea"/>
+                <a:cs typeface="+mn-cs"/>
+              </a:rPr>
+              <a:t>. </a:t>
+            </a:r>
+            <a:r>
+              <a:rPr lang="ko-KR" altLang="en-US" sz="1200" b="0" i="0" kern="1200" dirty="0">
+                <a:solidFill>
+                  <a:schemeClr val="tx1"/>
+                </a:solidFill>
+                <a:effectLst/>
+                <a:latin typeface="+mn-lt"/>
+                <a:ea typeface="+mn-ea"/>
+                <a:cs typeface="+mn-cs"/>
+              </a:rPr>
+              <a:t>깊은 신경망이 빛나기 위해서는 훨씬 더 많은 레이블이 붙은 데이터와 훨씬 더 많은 계산이 필요했습니다</a:t>
+            </a:r>
+            <a:r>
+              <a:rPr lang="en-US" altLang="ko-KR" sz="1200" b="0" i="0" kern="1200" dirty="0">
+                <a:solidFill>
+                  <a:schemeClr val="tx1"/>
+                </a:solidFill>
+                <a:effectLst/>
+                <a:latin typeface="+mn-lt"/>
+                <a:ea typeface="+mn-ea"/>
+                <a:cs typeface="+mn-cs"/>
+              </a:rPr>
+              <a:t>.</a:t>
+            </a:r>
             <a:endParaRPr lang="ko-KR" altLang="en-US" dirty="0"/>
           </a:p>
         </p:txBody>
@@ -3862,19 +4409,7 @@
                 <a:ea typeface="+mn-ea"/>
                 <a:cs typeface="+mn-cs"/>
               </a:rPr>
-              <a:t>로 </a:t>
-            </a:r>
-            <a:r>
-              <a:rPr lang="ko-KR" altLang="en-US" sz="1200" b="0" i="0" kern="1200" dirty="0" err="1">
-                <a:solidFill>
-                  <a:schemeClr val="tx1"/>
-                </a:solidFill>
-                <a:effectLst/>
-                <a:latin typeface="+mn-lt"/>
-                <a:ea typeface="+mn-ea"/>
-                <a:cs typeface="+mn-cs"/>
-              </a:rPr>
-              <a:t>구성되있고</a:t>
+              <a:t>로 구성 돼있고</a:t>
             </a:r>
             <a:r>
               <a:rPr lang="en-US" altLang="ko-KR" sz="1200" b="0" i="0" kern="1200" dirty="0">
@@ -4391,6 +4926,1116 @@
               <a:ea typeface="+mn-ea"/>
               <a:cs typeface="+mn-cs"/>
             </a:endParaRPr>
+          </a:p>
+          <a:p>
+            <a:endParaRPr lang="en-US" altLang="ko-KR" dirty="0"/>
+          </a:p>
+          <a:p>
+            <a:endParaRPr lang="en-US" altLang="ko-KR" dirty="0"/>
+          </a:p>
+          <a:p>
+            <a:r>
+              <a:rPr lang="en-US" altLang="ko-KR" sz="1200" b="0" i="0" kern="1200" dirty="0">
+                <a:solidFill>
+                  <a:schemeClr val="tx1"/>
+                </a:solidFill>
+                <a:effectLst/>
+                <a:latin typeface="+mn-lt"/>
+                <a:ea typeface="+mn-ea"/>
+                <a:cs typeface="+mn-cs"/>
+              </a:rPr>
+              <a:t>[227x227x3] INPUT</a:t>
+            </a:r>
+            <a:br>
+              <a:rPr lang="en-US" altLang="ko-KR" sz="1200" b="0" i="0" kern="1200" dirty="0">
+                <a:solidFill>
+                  <a:schemeClr val="tx1"/>
+                </a:solidFill>
+                <a:effectLst/>
+                <a:latin typeface="+mn-lt"/>
+                <a:ea typeface="+mn-ea"/>
+                <a:cs typeface="+mn-cs"/>
+              </a:rPr>
+            </a:br>
+            <a:r>
+              <a:rPr lang="en-US" altLang="ko-KR" sz="1200" b="0" i="0" kern="1200" dirty="0">
+                <a:solidFill>
+                  <a:schemeClr val="tx1"/>
+                </a:solidFill>
+                <a:effectLst/>
+                <a:latin typeface="+mn-lt"/>
+                <a:ea typeface="+mn-ea"/>
+                <a:cs typeface="+mn-cs"/>
+              </a:rPr>
+              <a:t>[55x55x96] CONV1 : 96@ 11x11, s = 4, p = 0</a:t>
+            </a:r>
+            <a:br>
+              <a:rPr lang="en-US" altLang="ko-KR" sz="1200" b="0" i="0" kern="1200" dirty="0">
+                <a:solidFill>
+                  <a:schemeClr val="tx1"/>
+                </a:solidFill>
+                <a:effectLst/>
+                <a:latin typeface="+mn-lt"/>
+                <a:ea typeface="+mn-ea"/>
+                <a:cs typeface="+mn-cs"/>
+              </a:rPr>
+            </a:br>
+            <a:r>
+              <a:rPr lang="en-US" altLang="ko-KR" sz="1200" b="0" i="0" kern="1200" dirty="0">
+                <a:solidFill>
+                  <a:schemeClr val="tx1"/>
+                </a:solidFill>
+                <a:effectLst/>
+                <a:latin typeface="+mn-lt"/>
+                <a:ea typeface="+mn-ea"/>
+                <a:cs typeface="+mn-cs"/>
+              </a:rPr>
+              <a:t>[27x27x96] MAX POOL1 : 3x3, s = 2</a:t>
+            </a:r>
+            <a:br>
+              <a:rPr lang="en-US" altLang="ko-KR" sz="1200" b="0" i="0" kern="1200" dirty="0">
+                <a:solidFill>
+                  <a:schemeClr val="tx1"/>
+                </a:solidFill>
+                <a:effectLst/>
+                <a:latin typeface="+mn-lt"/>
+                <a:ea typeface="+mn-ea"/>
+                <a:cs typeface="+mn-cs"/>
+              </a:rPr>
+            </a:br>
+            <a:r>
+              <a:rPr lang="en-US" altLang="ko-KR" sz="1200" b="0" i="0" kern="1200" dirty="0">
+                <a:solidFill>
+                  <a:schemeClr val="tx1"/>
+                </a:solidFill>
+                <a:effectLst/>
+                <a:latin typeface="+mn-lt"/>
+                <a:ea typeface="+mn-ea"/>
+                <a:cs typeface="+mn-cs"/>
+              </a:rPr>
+              <a:t>[27x27x96] NORM1 :</a:t>
+            </a:r>
+            <a:br>
+              <a:rPr lang="en-US" altLang="ko-KR" sz="1200" b="0" i="0" kern="1200" dirty="0">
+                <a:solidFill>
+                  <a:schemeClr val="tx1"/>
+                </a:solidFill>
+                <a:effectLst/>
+                <a:latin typeface="+mn-lt"/>
+                <a:ea typeface="+mn-ea"/>
+                <a:cs typeface="+mn-cs"/>
+              </a:rPr>
+            </a:br>
+            <a:r>
+              <a:rPr lang="en-US" altLang="ko-KR" sz="1200" b="0" i="0" kern="1200" dirty="0">
+                <a:solidFill>
+                  <a:schemeClr val="tx1"/>
+                </a:solidFill>
+                <a:effectLst/>
+                <a:latin typeface="+mn-lt"/>
+                <a:ea typeface="+mn-ea"/>
+                <a:cs typeface="+mn-cs"/>
+              </a:rPr>
+              <a:t>[27x27x256] CONV2 : 256@ 5x5, s = 1, p = 2</a:t>
+            </a:r>
+            <a:br>
+              <a:rPr lang="en-US" altLang="ko-KR" sz="1200" b="0" i="0" kern="1200" dirty="0">
+                <a:solidFill>
+                  <a:schemeClr val="tx1"/>
+                </a:solidFill>
+                <a:effectLst/>
+                <a:latin typeface="+mn-lt"/>
+                <a:ea typeface="+mn-ea"/>
+                <a:cs typeface="+mn-cs"/>
+              </a:rPr>
+            </a:br>
+            <a:r>
+              <a:rPr lang="en-US" altLang="ko-KR" sz="1200" b="0" i="0" kern="1200" dirty="0">
+                <a:solidFill>
+                  <a:schemeClr val="tx1"/>
+                </a:solidFill>
+                <a:effectLst/>
+                <a:latin typeface="+mn-lt"/>
+                <a:ea typeface="+mn-ea"/>
+                <a:cs typeface="+mn-cs"/>
+              </a:rPr>
+              <a:t>[13x13x256] MAX POOL2 : 3x3, s = 2</a:t>
+            </a:r>
+            <a:br>
+              <a:rPr lang="en-US" altLang="ko-KR" sz="1200" b="0" i="0" kern="1200" dirty="0">
+                <a:solidFill>
+                  <a:schemeClr val="tx1"/>
+                </a:solidFill>
+                <a:effectLst/>
+                <a:latin typeface="+mn-lt"/>
+                <a:ea typeface="+mn-ea"/>
+                <a:cs typeface="+mn-cs"/>
+              </a:rPr>
+            </a:br>
+            <a:r>
+              <a:rPr lang="en-US" altLang="ko-KR" sz="1200" b="0" i="0" kern="1200" dirty="0">
+                <a:solidFill>
+                  <a:schemeClr val="tx1"/>
+                </a:solidFill>
+                <a:effectLst/>
+                <a:latin typeface="+mn-lt"/>
+                <a:ea typeface="+mn-ea"/>
+                <a:cs typeface="+mn-cs"/>
+              </a:rPr>
+              <a:t>[13x13x256] NORM2 :</a:t>
+            </a:r>
+            <a:br>
+              <a:rPr lang="en-US" altLang="ko-KR" sz="1200" b="0" i="0" kern="1200" dirty="0">
+                <a:solidFill>
+                  <a:schemeClr val="tx1"/>
+                </a:solidFill>
+                <a:effectLst/>
+                <a:latin typeface="+mn-lt"/>
+                <a:ea typeface="+mn-ea"/>
+                <a:cs typeface="+mn-cs"/>
+              </a:rPr>
+            </a:br>
+            <a:r>
+              <a:rPr lang="en-US" altLang="ko-KR" sz="1200" b="0" i="0" kern="1200" dirty="0">
+                <a:solidFill>
+                  <a:schemeClr val="tx1"/>
+                </a:solidFill>
+                <a:effectLst/>
+                <a:latin typeface="+mn-lt"/>
+                <a:ea typeface="+mn-ea"/>
+                <a:cs typeface="+mn-cs"/>
+              </a:rPr>
+              <a:t>[13x13x384] CONV3 : 384@ 3x3, s = 1, p = 1</a:t>
+            </a:r>
+            <a:br>
+              <a:rPr lang="en-US" altLang="ko-KR" sz="1200" b="0" i="0" kern="1200" dirty="0">
+                <a:solidFill>
+                  <a:schemeClr val="tx1"/>
+                </a:solidFill>
+                <a:effectLst/>
+                <a:latin typeface="+mn-lt"/>
+                <a:ea typeface="+mn-ea"/>
+                <a:cs typeface="+mn-cs"/>
+              </a:rPr>
+            </a:br>
+            <a:r>
+              <a:rPr lang="en-US" altLang="ko-KR" sz="1200" b="0" i="0" kern="1200" dirty="0">
+                <a:solidFill>
+                  <a:schemeClr val="tx1"/>
+                </a:solidFill>
+                <a:effectLst/>
+                <a:latin typeface="+mn-lt"/>
+                <a:ea typeface="+mn-ea"/>
+                <a:cs typeface="+mn-cs"/>
+              </a:rPr>
+              <a:t>[13x13x384] CONV4 : 384@ 3x3, s = 1, p = 1</a:t>
+            </a:r>
+            <a:br>
+              <a:rPr lang="en-US" altLang="ko-KR" sz="1200" b="0" i="0" kern="1200" dirty="0">
+                <a:solidFill>
+                  <a:schemeClr val="tx1"/>
+                </a:solidFill>
+                <a:effectLst/>
+                <a:latin typeface="+mn-lt"/>
+                <a:ea typeface="+mn-ea"/>
+                <a:cs typeface="+mn-cs"/>
+              </a:rPr>
+            </a:br>
+            <a:r>
+              <a:rPr lang="en-US" altLang="ko-KR" sz="1200" b="0" i="0" kern="1200" dirty="0">
+                <a:solidFill>
+                  <a:schemeClr val="tx1"/>
+                </a:solidFill>
+                <a:effectLst/>
+                <a:latin typeface="+mn-lt"/>
+                <a:ea typeface="+mn-ea"/>
+                <a:cs typeface="+mn-cs"/>
+              </a:rPr>
+              <a:t>[13x13x256] CONV5 : 256@ 3x3, s = 1, p = 1</a:t>
+            </a:r>
+            <a:br>
+              <a:rPr lang="en-US" altLang="ko-KR" sz="1200" b="0" i="0" kern="1200" dirty="0">
+                <a:solidFill>
+                  <a:schemeClr val="tx1"/>
+                </a:solidFill>
+                <a:effectLst/>
+                <a:latin typeface="+mn-lt"/>
+                <a:ea typeface="+mn-ea"/>
+                <a:cs typeface="+mn-cs"/>
+              </a:rPr>
+            </a:br>
+            <a:r>
+              <a:rPr lang="en-US" altLang="ko-KR" sz="1200" b="0" i="0" kern="1200" dirty="0">
+                <a:solidFill>
+                  <a:schemeClr val="tx1"/>
+                </a:solidFill>
+                <a:effectLst/>
+                <a:latin typeface="+mn-lt"/>
+                <a:ea typeface="+mn-ea"/>
+                <a:cs typeface="+mn-cs"/>
+              </a:rPr>
+              <a:t>[6x6x256] MAX POOL3 : 3x3, s = 2</a:t>
+            </a:r>
+            <a:br>
+              <a:rPr lang="en-US" altLang="ko-KR" sz="1200" b="0" i="0" kern="1200" dirty="0">
+                <a:solidFill>
+                  <a:schemeClr val="tx1"/>
+                </a:solidFill>
+                <a:effectLst/>
+                <a:latin typeface="+mn-lt"/>
+                <a:ea typeface="+mn-ea"/>
+                <a:cs typeface="+mn-cs"/>
+              </a:rPr>
+            </a:br>
+            <a:r>
+              <a:rPr lang="en-US" altLang="ko-KR" sz="1200" b="0" i="0" kern="1200" dirty="0">
+                <a:solidFill>
+                  <a:schemeClr val="tx1"/>
+                </a:solidFill>
+                <a:effectLst/>
+                <a:latin typeface="+mn-lt"/>
+                <a:ea typeface="+mn-ea"/>
+                <a:cs typeface="+mn-cs"/>
+              </a:rPr>
+              <a:t>[4096] FC6 : 4096 neurons</a:t>
+            </a:r>
+            <a:br>
+              <a:rPr lang="en-US" altLang="ko-KR" sz="1200" b="0" i="0" kern="1200" dirty="0">
+                <a:solidFill>
+                  <a:schemeClr val="tx1"/>
+                </a:solidFill>
+                <a:effectLst/>
+                <a:latin typeface="+mn-lt"/>
+                <a:ea typeface="+mn-ea"/>
+                <a:cs typeface="+mn-cs"/>
+              </a:rPr>
+            </a:br>
+            <a:r>
+              <a:rPr lang="en-US" altLang="ko-KR" sz="1200" b="0" i="0" kern="1200" dirty="0">
+                <a:solidFill>
+                  <a:schemeClr val="tx1"/>
+                </a:solidFill>
+                <a:effectLst/>
+                <a:latin typeface="+mn-lt"/>
+                <a:ea typeface="+mn-ea"/>
+                <a:cs typeface="+mn-cs"/>
+              </a:rPr>
+              <a:t>[4096] FC7 : 4096 neurons</a:t>
+            </a:r>
+            <a:br>
+              <a:rPr lang="en-US" altLang="ko-KR" sz="1200" b="0" i="0" kern="1200" dirty="0">
+                <a:solidFill>
+                  <a:schemeClr val="tx1"/>
+                </a:solidFill>
+                <a:effectLst/>
+                <a:latin typeface="+mn-lt"/>
+                <a:ea typeface="+mn-ea"/>
+                <a:cs typeface="+mn-cs"/>
+              </a:rPr>
+            </a:br>
+            <a:r>
+              <a:rPr lang="en-US" altLang="ko-KR" sz="1200" b="0" i="0" kern="1200" dirty="0">
+                <a:solidFill>
+                  <a:schemeClr val="tx1"/>
+                </a:solidFill>
+                <a:effectLst/>
+                <a:latin typeface="+mn-lt"/>
+                <a:ea typeface="+mn-ea"/>
+                <a:cs typeface="+mn-cs"/>
+              </a:rPr>
+              <a:t>[1000] FC8 : 1000 neurons</a:t>
+            </a:r>
+            <a:br>
+              <a:rPr lang="en-US" altLang="ko-KR" sz="1200" b="0" i="0" kern="1200" dirty="0">
+                <a:solidFill>
+                  <a:schemeClr val="tx1"/>
+                </a:solidFill>
+                <a:effectLst/>
+                <a:latin typeface="+mn-lt"/>
+                <a:ea typeface="+mn-ea"/>
+                <a:cs typeface="+mn-cs"/>
+              </a:rPr>
+            </a:br>
+            <a:endParaRPr lang="en-US" altLang="ko-KR" sz="1200" b="0" i="0" kern="1200" dirty="0">
+              <a:solidFill>
+                <a:schemeClr val="tx1"/>
+              </a:solidFill>
+              <a:effectLst/>
+              <a:latin typeface="+mn-lt"/>
+              <a:ea typeface="+mn-ea"/>
+              <a:cs typeface="+mn-cs"/>
+            </a:endParaRPr>
+          </a:p>
+          <a:p>
+            <a:r>
+              <a:rPr lang="ko-KR" altLang="en-US" sz="1200" b="0" i="0" kern="1200" dirty="0">
+                <a:solidFill>
+                  <a:schemeClr val="tx1"/>
+                </a:solidFill>
+                <a:effectLst/>
+                <a:latin typeface="+mn-lt"/>
+                <a:ea typeface="+mn-ea"/>
+                <a:cs typeface="+mn-cs"/>
+              </a:rPr>
+              <a:t>참고로 예를 들어 설명하자면 만약 입력 이미지가 </a:t>
+            </a:r>
+            <a:r>
+              <a:rPr lang="en-US" altLang="ko-KR" sz="1200" b="0" i="0" kern="1200" dirty="0">
+                <a:solidFill>
+                  <a:schemeClr val="tx1"/>
+                </a:solidFill>
+                <a:effectLst/>
+                <a:latin typeface="+mn-lt"/>
+                <a:ea typeface="+mn-ea"/>
+                <a:cs typeface="+mn-cs"/>
+              </a:rPr>
+              <a:t>[227x227x3]</a:t>
+            </a:r>
+            <a:r>
+              <a:rPr lang="ko-KR" altLang="en-US" sz="1200" b="0" i="0" kern="1200" dirty="0">
+                <a:solidFill>
+                  <a:schemeClr val="tx1"/>
+                </a:solidFill>
+                <a:effectLst/>
+                <a:latin typeface="+mn-lt"/>
+                <a:ea typeface="+mn-ea"/>
+                <a:cs typeface="+mn-cs"/>
+              </a:rPr>
+              <a:t>이라 가정하고 </a:t>
+            </a:r>
+            <a:r>
+              <a:rPr lang="en-US" altLang="ko-KR" sz="1200" b="0" i="0" kern="1200" dirty="0">
+                <a:solidFill>
+                  <a:schemeClr val="tx1"/>
+                </a:solidFill>
+                <a:effectLst/>
+                <a:latin typeface="+mn-lt"/>
+                <a:ea typeface="+mn-ea"/>
+                <a:cs typeface="+mn-cs"/>
+              </a:rPr>
+              <a:t>conv1</a:t>
+            </a:r>
+            <a:r>
+              <a:rPr lang="ko-KR" altLang="en-US" sz="1200" b="0" i="0" kern="1200" dirty="0">
+                <a:solidFill>
+                  <a:schemeClr val="tx1"/>
+                </a:solidFill>
+                <a:effectLst/>
+                <a:latin typeface="+mn-lt"/>
+                <a:ea typeface="+mn-ea"/>
+                <a:cs typeface="+mn-cs"/>
+              </a:rPr>
+              <a:t>의 필터는 </a:t>
+            </a:r>
+            <a:r>
+              <a:rPr lang="en-US" altLang="ko-KR" sz="1200" b="0" i="0" kern="1200" dirty="0">
+                <a:solidFill>
+                  <a:schemeClr val="tx1"/>
+                </a:solidFill>
+                <a:effectLst/>
+                <a:latin typeface="+mn-lt"/>
+                <a:ea typeface="+mn-ea"/>
+                <a:cs typeface="+mn-cs"/>
+              </a:rPr>
+              <a:t>[11x11]</a:t>
+            </a:r>
+            <a:r>
+              <a:rPr lang="ko-KR" altLang="en-US" sz="1200" b="0" i="0" kern="1200" dirty="0">
+                <a:solidFill>
+                  <a:schemeClr val="tx1"/>
+                </a:solidFill>
+                <a:effectLst/>
+                <a:latin typeface="+mn-lt"/>
+                <a:ea typeface="+mn-ea"/>
+                <a:cs typeface="+mn-cs"/>
+              </a:rPr>
+              <a:t>이 </a:t>
+            </a:r>
+            <a:r>
+              <a:rPr lang="en-US" altLang="ko-KR" sz="1200" b="0" i="0" kern="1200" dirty="0">
+                <a:solidFill>
+                  <a:schemeClr val="tx1"/>
+                </a:solidFill>
+                <a:effectLst/>
+                <a:latin typeface="+mn-lt"/>
+                <a:ea typeface="+mn-ea"/>
+                <a:cs typeface="+mn-cs"/>
+              </a:rPr>
+              <a:t>96</a:t>
+            </a:r>
+            <a:r>
+              <a:rPr lang="ko-KR" altLang="en-US" sz="1200" b="0" i="0" kern="1200" dirty="0">
+                <a:solidFill>
+                  <a:schemeClr val="tx1"/>
+                </a:solidFill>
+                <a:effectLst/>
+                <a:latin typeface="+mn-lt"/>
+                <a:ea typeface="+mn-ea"/>
+                <a:cs typeface="+mn-cs"/>
+              </a:rPr>
+              <a:t>개이고 </a:t>
+            </a:r>
+            <a:r>
+              <a:rPr lang="en-US" altLang="ko-KR" sz="1200" b="0" i="0" kern="1200" dirty="0">
+                <a:solidFill>
+                  <a:schemeClr val="tx1"/>
+                </a:solidFill>
+                <a:effectLst/>
+                <a:latin typeface="+mn-lt"/>
+                <a:ea typeface="+mn-ea"/>
+                <a:cs typeface="+mn-cs"/>
+              </a:rPr>
+              <a:t>stride</a:t>
+            </a:r>
+            <a:r>
+              <a:rPr lang="ko-KR" altLang="en-US" sz="1200" b="0" i="0" kern="1200" dirty="0">
+                <a:solidFill>
+                  <a:schemeClr val="tx1"/>
+                </a:solidFill>
+                <a:effectLst/>
+                <a:latin typeface="+mn-lt"/>
+                <a:ea typeface="+mn-ea"/>
+                <a:cs typeface="+mn-cs"/>
+              </a:rPr>
+              <a:t>는 </a:t>
+            </a:r>
+            <a:r>
+              <a:rPr lang="en-US" altLang="ko-KR" sz="1200" b="0" i="0" kern="1200" dirty="0">
+                <a:solidFill>
+                  <a:schemeClr val="tx1"/>
+                </a:solidFill>
+                <a:effectLst/>
+                <a:latin typeface="+mn-lt"/>
+                <a:ea typeface="+mn-ea"/>
+                <a:cs typeface="+mn-cs"/>
+              </a:rPr>
+              <a:t>4</a:t>
+            </a:r>
+            <a:r>
+              <a:rPr lang="ko-KR" altLang="en-US" sz="1200" b="0" i="0" kern="1200" dirty="0">
+                <a:solidFill>
+                  <a:schemeClr val="tx1"/>
+                </a:solidFill>
+                <a:effectLst/>
+                <a:latin typeface="+mn-lt"/>
+                <a:ea typeface="+mn-ea"/>
+                <a:cs typeface="+mn-cs"/>
+              </a:rPr>
+              <a:t>라고 하자</a:t>
+            </a:r>
+            <a:r>
+              <a:rPr lang="en-US" altLang="ko-KR" sz="1200" b="0" i="0" kern="1200" dirty="0">
+                <a:solidFill>
+                  <a:schemeClr val="tx1"/>
+                </a:solidFill>
+                <a:effectLst/>
+                <a:latin typeface="+mn-lt"/>
+                <a:ea typeface="+mn-ea"/>
+                <a:cs typeface="+mn-cs"/>
+              </a:rPr>
+              <a:t>.</a:t>
+            </a:r>
+            <a:br>
+              <a:rPr lang="en-US" altLang="ko-KR" sz="1200" b="0" i="0" kern="1200" dirty="0">
+                <a:solidFill>
+                  <a:schemeClr val="tx1"/>
+                </a:solidFill>
+                <a:effectLst/>
+                <a:latin typeface="+mn-lt"/>
+                <a:ea typeface="+mn-ea"/>
+                <a:cs typeface="+mn-cs"/>
+              </a:rPr>
+            </a:br>
+            <a:r>
+              <a:rPr lang="ko-KR" altLang="en-US" sz="1200" b="0" i="0" kern="1200" dirty="0">
+                <a:solidFill>
+                  <a:schemeClr val="tx1"/>
+                </a:solidFill>
+                <a:effectLst/>
+                <a:latin typeface="+mn-lt"/>
+                <a:ea typeface="+mn-ea"/>
+                <a:cs typeface="+mn-cs"/>
+              </a:rPr>
+              <a:t>이 때 </a:t>
+            </a:r>
+            <a:r>
+              <a:rPr lang="en-US" altLang="ko-KR" sz="1200" b="0" i="0" kern="1200" dirty="0">
+                <a:solidFill>
+                  <a:schemeClr val="tx1"/>
+                </a:solidFill>
+                <a:effectLst/>
+                <a:latin typeface="+mn-lt"/>
+                <a:ea typeface="+mn-ea"/>
+                <a:cs typeface="+mn-cs"/>
+              </a:rPr>
+              <a:t>conv1</a:t>
+            </a:r>
+            <a:r>
+              <a:rPr lang="ko-KR" altLang="en-US" sz="1200" b="0" i="0" kern="1200" dirty="0">
+                <a:solidFill>
+                  <a:schemeClr val="tx1"/>
+                </a:solidFill>
+                <a:effectLst/>
+                <a:latin typeface="+mn-lt"/>
+                <a:ea typeface="+mn-ea"/>
+                <a:cs typeface="+mn-cs"/>
+              </a:rPr>
+              <a:t>을 거치고 나온 출력 </a:t>
+            </a:r>
+            <a:r>
+              <a:rPr lang="en-US" altLang="ko-KR" sz="1200" b="0" i="0" kern="1200" dirty="0">
+                <a:solidFill>
+                  <a:schemeClr val="tx1"/>
+                </a:solidFill>
+                <a:effectLst/>
+                <a:latin typeface="+mn-lt"/>
+                <a:ea typeface="+mn-ea"/>
+                <a:cs typeface="+mn-cs"/>
+              </a:rPr>
+              <a:t>volume</a:t>
+            </a:r>
+            <a:r>
+              <a:rPr lang="ko-KR" altLang="en-US" sz="1200" b="0" i="0" kern="1200" dirty="0">
+                <a:solidFill>
+                  <a:schemeClr val="tx1"/>
+                </a:solidFill>
+                <a:effectLst/>
+                <a:latin typeface="+mn-lt"/>
+                <a:ea typeface="+mn-ea"/>
+                <a:cs typeface="+mn-cs"/>
+              </a:rPr>
+              <a:t>은 </a:t>
+            </a:r>
+            <a:r>
+              <a:rPr lang="en-US" altLang="ko-KR" sz="1200" b="0" i="0" kern="1200" dirty="0">
+                <a:solidFill>
+                  <a:schemeClr val="tx1"/>
+                </a:solidFill>
+                <a:effectLst/>
+                <a:latin typeface="+mn-lt"/>
+                <a:ea typeface="+mn-ea"/>
+                <a:cs typeface="+mn-cs"/>
+              </a:rPr>
+              <a:t>[55x55x96]</a:t>
+            </a:r>
+            <a:r>
+              <a:rPr lang="ko-KR" altLang="en-US" sz="1200" b="0" i="0" kern="1200" dirty="0">
+                <a:solidFill>
+                  <a:schemeClr val="tx1"/>
+                </a:solidFill>
+                <a:effectLst/>
+                <a:latin typeface="+mn-lt"/>
+                <a:ea typeface="+mn-ea"/>
+                <a:cs typeface="+mn-cs"/>
+              </a:rPr>
+              <a:t>이다</a:t>
+            </a:r>
+            <a:r>
+              <a:rPr lang="en-US" altLang="ko-KR" sz="1200" b="0" i="0" kern="1200" dirty="0">
+                <a:solidFill>
+                  <a:schemeClr val="tx1"/>
+                </a:solidFill>
+                <a:effectLst/>
+                <a:latin typeface="+mn-lt"/>
+                <a:ea typeface="+mn-ea"/>
+                <a:cs typeface="+mn-cs"/>
+              </a:rPr>
+              <a:t>. </a:t>
+            </a:r>
+            <a:r>
+              <a:rPr lang="ko-KR" altLang="en-US" sz="1200" b="0" i="0" kern="1200" dirty="0">
+                <a:solidFill>
+                  <a:schemeClr val="tx1"/>
+                </a:solidFill>
+                <a:effectLst/>
+                <a:latin typeface="+mn-lt"/>
+                <a:ea typeface="+mn-ea"/>
+                <a:cs typeface="+mn-cs"/>
+              </a:rPr>
+              <a:t>이는 </a:t>
+            </a:r>
+            <a:r>
+              <a:rPr lang="en-US" altLang="ko-KR" sz="1200" b="0" i="0" kern="1200" dirty="0">
+                <a:solidFill>
+                  <a:schemeClr val="tx1"/>
+                </a:solidFill>
+                <a:effectLst/>
+                <a:latin typeface="+mn-lt"/>
+                <a:ea typeface="+mn-ea"/>
+                <a:cs typeface="+mn-cs"/>
+              </a:rPr>
+              <a:t>(227-11)/4/1 + 1</a:t>
+            </a:r>
+            <a:r>
+              <a:rPr lang="ko-KR" altLang="en-US" sz="1200" b="0" i="0" kern="1200" dirty="0">
+                <a:solidFill>
+                  <a:schemeClr val="tx1"/>
+                </a:solidFill>
+                <a:effectLst/>
+                <a:latin typeface="+mn-lt"/>
+                <a:ea typeface="+mn-ea"/>
+                <a:cs typeface="+mn-cs"/>
+              </a:rPr>
+              <a:t>에 의해 </a:t>
+            </a:r>
+            <a:r>
+              <a:rPr lang="en-US" altLang="ko-KR" sz="1200" b="0" i="0" kern="1200" dirty="0">
+                <a:solidFill>
+                  <a:schemeClr val="tx1"/>
+                </a:solidFill>
+                <a:effectLst/>
+                <a:latin typeface="+mn-lt"/>
+                <a:ea typeface="+mn-ea"/>
+                <a:cs typeface="+mn-cs"/>
+              </a:rPr>
+              <a:t>55</a:t>
+            </a:r>
+            <a:r>
+              <a:rPr lang="ko-KR" altLang="en-US" sz="1200" b="0" i="0" kern="1200" dirty="0">
+                <a:solidFill>
+                  <a:schemeClr val="tx1"/>
+                </a:solidFill>
+                <a:effectLst/>
+                <a:latin typeface="+mn-lt"/>
+                <a:ea typeface="+mn-ea"/>
+                <a:cs typeface="+mn-cs"/>
+              </a:rPr>
+              <a:t>가 나오게 되는 것이고</a:t>
+            </a:r>
+            <a:r>
+              <a:rPr lang="en-US" altLang="ko-KR" sz="1200" b="0" i="0" kern="1200" dirty="0">
+                <a:solidFill>
+                  <a:schemeClr val="tx1"/>
+                </a:solidFill>
+                <a:effectLst/>
+                <a:latin typeface="+mn-lt"/>
+                <a:ea typeface="+mn-ea"/>
+                <a:cs typeface="+mn-cs"/>
+              </a:rPr>
+              <a:t>, 96</a:t>
+            </a:r>
+            <a:r>
+              <a:rPr lang="ko-KR" altLang="en-US" sz="1200" b="0" i="0" kern="1200" dirty="0">
+                <a:solidFill>
+                  <a:schemeClr val="tx1"/>
+                </a:solidFill>
+                <a:effectLst/>
+                <a:latin typeface="+mn-lt"/>
+                <a:ea typeface="+mn-ea"/>
+                <a:cs typeface="+mn-cs"/>
+              </a:rPr>
+              <a:t>은 필터의 수와 동일하다</a:t>
+            </a:r>
+            <a:r>
+              <a:rPr lang="en-US" altLang="ko-KR" sz="1200" b="0" i="0" kern="1200" dirty="0">
+                <a:solidFill>
+                  <a:schemeClr val="tx1"/>
+                </a:solidFill>
+                <a:effectLst/>
+                <a:latin typeface="+mn-lt"/>
+                <a:ea typeface="+mn-ea"/>
+                <a:cs typeface="+mn-cs"/>
+              </a:rPr>
+              <a:t>. parameter</a:t>
+            </a:r>
+            <a:r>
+              <a:rPr lang="ko-KR" altLang="en-US" sz="1200" b="0" i="0" kern="1200" dirty="0">
+                <a:solidFill>
+                  <a:schemeClr val="tx1"/>
+                </a:solidFill>
+                <a:effectLst/>
+                <a:latin typeface="+mn-lt"/>
+                <a:ea typeface="+mn-ea"/>
+                <a:cs typeface="+mn-cs"/>
+              </a:rPr>
+              <a:t>의 수는 </a:t>
+            </a:r>
+            <a:r>
+              <a:rPr lang="en-US" altLang="ko-KR" sz="1200" b="0" i="0" kern="1200" dirty="0">
+                <a:solidFill>
+                  <a:schemeClr val="tx1"/>
+                </a:solidFill>
+                <a:effectLst/>
+                <a:latin typeface="+mn-lt"/>
+                <a:ea typeface="+mn-ea"/>
+                <a:cs typeface="+mn-cs"/>
+              </a:rPr>
+              <a:t>11</a:t>
+            </a:r>
+            <a:r>
+              <a:rPr lang="en-US" altLang="ko-KR" sz="1200" b="0" i="1" kern="1200" dirty="0">
+                <a:solidFill>
+                  <a:schemeClr val="tx1"/>
+                </a:solidFill>
+                <a:effectLst/>
+                <a:latin typeface="+mn-lt"/>
+                <a:ea typeface="+mn-ea"/>
+                <a:cs typeface="+mn-cs"/>
+              </a:rPr>
+              <a:t>11</a:t>
+            </a:r>
+            <a:r>
+              <a:rPr lang="en-US" altLang="ko-KR" sz="1200" b="0" i="0" kern="1200" dirty="0">
+                <a:solidFill>
+                  <a:schemeClr val="tx1"/>
+                </a:solidFill>
+                <a:effectLst/>
+                <a:latin typeface="+mn-lt"/>
+                <a:ea typeface="+mn-ea"/>
+                <a:cs typeface="+mn-cs"/>
+              </a:rPr>
+              <a:t>3*96</a:t>
+            </a:r>
+            <a:r>
+              <a:rPr lang="ko-KR" altLang="en-US" sz="1200" b="0" i="0" kern="1200" dirty="0">
+                <a:solidFill>
+                  <a:schemeClr val="tx1"/>
+                </a:solidFill>
+                <a:effectLst/>
+                <a:latin typeface="+mn-lt"/>
+                <a:ea typeface="+mn-ea"/>
+                <a:cs typeface="+mn-cs"/>
+              </a:rPr>
+              <a:t>으로 </a:t>
+            </a:r>
+            <a:r>
+              <a:rPr lang="en-US" altLang="ko-KR" sz="1200" b="0" i="0" kern="1200" dirty="0">
+                <a:solidFill>
+                  <a:schemeClr val="tx1"/>
+                </a:solidFill>
+                <a:effectLst/>
+                <a:latin typeface="+mn-lt"/>
+                <a:ea typeface="+mn-ea"/>
+                <a:cs typeface="+mn-cs"/>
+              </a:rPr>
+              <a:t>35K </a:t>
+            </a:r>
+            <a:r>
+              <a:rPr lang="ko-KR" altLang="en-US" sz="1200" b="0" i="0" kern="1200" dirty="0">
+                <a:solidFill>
+                  <a:schemeClr val="tx1"/>
+                </a:solidFill>
+                <a:effectLst/>
+                <a:latin typeface="+mn-lt"/>
+                <a:ea typeface="+mn-ea"/>
+                <a:cs typeface="+mn-cs"/>
+              </a:rPr>
+              <a:t>정도이다</a:t>
+            </a:r>
+            <a:r>
+              <a:rPr lang="en-US" altLang="ko-KR" sz="1200" b="0" i="0" kern="1200" dirty="0">
+                <a:solidFill>
+                  <a:schemeClr val="tx1"/>
+                </a:solidFill>
+                <a:effectLst/>
+                <a:latin typeface="+mn-lt"/>
+                <a:ea typeface="+mn-ea"/>
+                <a:cs typeface="+mn-cs"/>
+              </a:rPr>
+              <a:t>.</a:t>
+            </a:r>
+          </a:p>
+          <a:p>
+            <a:r>
+              <a:rPr lang="en-US" altLang="ko-KR" sz="1200" b="0" i="0" kern="1200" dirty="0">
+                <a:solidFill>
+                  <a:schemeClr val="tx1"/>
+                </a:solidFill>
+                <a:effectLst/>
+                <a:latin typeface="+mn-lt"/>
+                <a:ea typeface="+mn-ea"/>
+                <a:cs typeface="+mn-cs"/>
+              </a:rPr>
+              <a:t>conv1</a:t>
+            </a:r>
+            <a:r>
+              <a:rPr lang="ko-KR" altLang="en-US" sz="1200" b="0" i="0" kern="1200" dirty="0">
+                <a:solidFill>
+                  <a:schemeClr val="tx1"/>
+                </a:solidFill>
+                <a:effectLst/>
+                <a:latin typeface="+mn-lt"/>
+                <a:ea typeface="+mn-ea"/>
+                <a:cs typeface="+mn-cs"/>
+              </a:rPr>
+              <a:t>을 나온 </a:t>
+            </a:r>
+            <a:r>
+              <a:rPr lang="ko-KR" altLang="en-US" sz="1200" b="0" i="0" kern="1200" dirty="0" err="1">
+                <a:solidFill>
+                  <a:schemeClr val="tx1"/>
+                </a:solidFill>
+                <a:effectLst/>
+                <a:latin typeface="+mn-lt"/>
+                <a:ea typeface="+mn-ea"/>
+                <a:cs typeface="+mn-cs"/>
+              </a:rPr>
+              <a:t>출력값을</a:t>
+            </a:r>
+            <a:r>
+              <a:rPr lang="ko-KR" altLang="en-US" sz="1200" b="0" i="0" kern="1200" dirty="0">
+                <a:solidFill>
+                  <a:schemeClr val="tx1"/>
+                </a:solidFill>
+                <a:effectLst/>
+                <a:latin typeface="+mn-lt"/>
+                <a:ea typeface="+mn-ea"/>
+                <a:cs typeface="+mn-cs"/>
+              </a:rPr>
+              <a:t> </a:t>
+            </a:r>
+            <a:r>
+              <a:rPr lang="en-US" altLang="ko-KR" sz="1200" b="0" i="0" kern="1200" dirty="0">
+                <a:solidFill>
+                  <a:schemeClr val="tx1"/>
+                </a:solidFill>
+                <a:effectLst/>
+                <a:latin typeface="+mn-lt"/>
+                <a:ea typeface="+mn-ea"/>
+                <a:cs typeface="+mn-cs"/>
+              </a:rPr>
+              <a:t>[3x3], stride</a:t>
+            </a:r>
+            <a:r>
+              <a:rPr lang="ko-KR" altLang="en-US" sz="1200" b="0" i="0" kern="1200" dirty="0">
+                <a:solidFill>
+                  <a:schemeClr val="tx1"/>
+                </a:solidFill>
+                <a:effectLst/>
+                <a:latin typeface="+mn-lt"/>
+                <a:ea typeface="+mn-ea"/>
+                <a:cs typeface="+mn-cs"/>
+              </a:rPr>
+              <a:t>가 </a:t>
+            </a:r>
+            <a:r>
+              <a:rPr lang="en-US" altLang="ko-KR" sz="1200" b="0" i="0" kern="1200" dirty="0">
+                <a:solidFill>
+                  <a:schemeClr val="tx1"/>
+                </a:solidFill>
+                <a:effectLst/>
+                <a:latin typeface="+mn-lt"/>
+                <a:ea typeface="+mn-ea"/>
+                <a:cs typeface="+mn-cs"/>
+              </a:rPr>
+              <a:t>2</a:t>
+            </a:r>
+            <a:r>
+              <a:rPr lang="ko-KR" altLang="en-US" sz="1200" b="0" i="0" kern="1200" dirty="0">
+                <a:solidFill>
+                  <a:schemeClr val="tx1"/>
+                </a:solidFill>
+                <a:effectLst/>
+                <a:latin typeface="+mn-lt"/>
+                <a:ea typeface="+mn-ea"/>
+                <a:cs typeface="+mn-cs"/>
+              </a:rPr>
+              <a:t>인 </a:t>
+            </a:r>
+            <a:r>
+              <a:rPr lang="en-US" altLang="ko-KR" sz="1200" b="0" i="0" kern="1200" dirty="0">
+                <a:solidFill>
+                  <a:schemeClr val="tx1"/>
+                </a:solidFill>
+                <a:effectLst/>
+                <a:latin typeface="+mn-lt"/>
+                <a:ea typeface="+mn-ea"/>
+                <a:cs typeface="+mn-cs"/>
+              </a:rPr>
+              <a:t>pooling </a:t>
+            </a:r>
+            <a:r>
+              <a:rPr lang="ko-KR" altLang="en-US" sz="1200" b="0" i="0" kern="1200" dirty="0">
+                <a:solidFill>
+                  <a:schemeClr val="tx1"/>
+                </a:solidFill>
+                <a:effectLst/>
+                <a:latin typeface="+mn-lt"/>
+                <a:ea typeface="+mn-ea"/>
+                <a:cs typeface="+mn-cs"/>
+              </a:rPr>
+              <a:t>레이어에 적용하면 </a:t>
+            </a:r>
+            <a:r>
+              <a:rPr lang="ko-KR" altLang="en-US" sz="1200" b="0" i="0" kern="1200" dirty="0" err="1">
+                <a:solidFill>
+                  <a:schemeClr val="tx1"/>
+                </a:solidFill>
+                <a:effectLst/>
+                <a:latin typeface="+mn-lt"/>
+                <a:ea typeface="+mn-ea"/>
+                <a:cs typeface="+mn-cs"/>
+              </a:rPr>
+              <a:t>출력값은</a:t>
+            </a:r>
+            <a:r>
+              <a:rPr lang="ko-KR" altLang="en-US" sz="1200" b="0" i="0" kern="1200" dirty="0">
+                <a:solidFill>
+                  <a:schemeClr val="tx1"/>
+                </a:solidFill>
+                <a:effectLst/>
+                <a:latin typeface="+mn-lt"/>
+                <a:ea typeface="+mn-ea"/>
+                <a:cs typeface="+mn-cs"/>
+              </a:rPr>
+              <a:t> </a:t>
+            </a:r>
+            <a:r>
+              <a:rPr lang="en-US" altLang="ko-KR" sz="1200" b="0" i="0" kern="1200" dirty="0">
+                <a:solidFill>
+                  <a:schemeClr val="tx1"/>
+                </a:solidFill>
+                <a:effectLst/>
+                <a:latin typeface="+mn-lt"/>
+                <a:ea typeface="+mn-ea"/>
+                <a:cs typeface="+mn-cs"/>
+              </a:rPr>
+              <a:t>[27x27x96]</a:t>
+            </a:r>
+            <a:r>
+              <a:rPr lang="ko-KR" altLang="en-US" sz="1200" b="0" i="0" kern="1200" dirty="0">
+                <a:solidFill>
+                  <a:schemeClr val="tx1"/>
+                </a:solidFill>
+                <a:effectLst/>
+                <a:latin typeface="+mn-lt"/>
+                <a:ea typeface="+mn-ea"/>
+                <a:cs typeface="+mn-cs"/>
+              </a:rPr>
+              <a:t>으로 나온다</a:t>
+            </a:r>
+            <a:r>
+              <a:rPr lang="en-US" altLang="ko-KR" sz="1200" b="0" i="0" kern="1200" dirty="0">
+                <a:solidFill>
+                  <a:schemeClr val="tx1"/>
+                </a:solidFill>
+                <a:effectLst/>
+                <a:latin typeface="+mn-lt"/>
+                <a:ea typeface="+mn-ea"/>
+                <a:cs typeface="+mn-cs"/>
+              </a:rPr>
+              <a:t>. </a:t>
+            </a:r>
+            <a:r>
+              <a:rPr lang="ko-KR" altLang="en-US" sz="1200" b="0" i="0" kern="1200" dirty="0">
+                <a:solidFill>
+                  <a:schemeClr val="tx1"/>
+                </a:solidFill>
+                <a:effectLst/>
+                <a:latin typeface="+mn-lt"/>
+                <a:ea typeface="+mn-ea"/>
+                <a:cs typeface="+mn-cs"/>
+              </a:rPr>
+              <a:t>이는 </a:t>
+            </a:r>
+            <a:r>
+              <a:rPr lang="en-US" altLang="ko-KR" sz="1200" b="0" i="0" kern="1200" dirty="0">
+                <a:solidFill>
+                  <a:schemeClr val="tx1"/>
+                </a:solidFill>
+                <a:effectLst/>
+                <a:latin typeface="+mn-lt"/>
+                <a:ea typeface="+mn-ea"/>
+                <a:cs typeface="+mn-cs"/>
+              </a:rPr>
+              <a:t>(55-3)/2 + 1</a:t>
+            </a:r>
+            <a:r>
+              <a:rPr lang="ko-KR" altLang="en-US" sz="1200" b="0" i="0" kern="1200" dirty="0">
+                <a:solidFill>
+                  <a:schemeClr val="tx1"/>
+                </a:solidFill>
+                <a:effectLst/>
+                <a:latin typeface="+mn-lt"/>
+                <a:ea typeface="+mn-ea"/>
+                <a:cs typeface="+mn-cs"/>
+              </a:rPr>
+              <a:t>에 의해 </a:t>
+            </a:r>
+            <a:r>
+              <a:rPr lang="en-US" altLang="ko-KR" sz="1200" b="0" i="0" kern="1200" dirty="0">
+                <a:solidFill>
+                  <a:schemeClr val="tx1"/>
+                </a:solidFill>
+                <a:effectLst/>
+                <a:latin typeface="+mn-lt"/>
+                <a:ea typeface="+mn-ea"/>
+                <a:cs typeface="+mn-cs"/>
+              </a:rPr>
+              <a:t>27</a:t>
+            </a:r>
+            <a:r>
+              <a:rPr lang="ko-KR" altLang="en-US" sz="1200" b="0" i="0" kern="1200" dirty="0">
+                <a:solidFill>
+                  <a:schemeClr val="tx1"/>
+                </a:solidFill>
+                <a:effectLst/>
+                <a:latin typeface="+mn-lt"/>
+                <a:ea typeface="+mn-ea"/>
+                <a:cs typeface="+mn-cs"/>
+              </a:rPr>
+              <a:t>이 나오기 때문이며</a:t>
+            </a:r>
+            <a:r>
+              <a:rPr lang="en-US" altLang="ko-KR" sz="1200" b="0" i="0" kern="1200" dirty="0">
+                <a:solidFill>
+                  <a:schemeClr val="tx1"/>
+                </a:solidFill>
+                <a:effectLst/>
+                <a:latin typeface="+mn-lt"/>
+                <a:ea typeface="+mn-ea"/>
+                <a:cs typeface="+mn-cs"/>
+              </a:rPr>
+              <a:t>, parameter</a:t>
+            </a:r>
+            <a:r>
+              <a:rPr lang="ko-KR" altLang="en-US" sz="1200" b="0" i="0" kern="1200" dirty="0">
+                <a:solidFill>
+                  <a:schemeClr val="tx1"/>
+                </a:solidFill>
+                <a:effectLst/>
+                <a:latin typeface="+mn-lt"/>
+                <a:ea typeface="+mn-ea"/>
+                <a:cs typeface="+mn-cs"/>
+              </a:rPr>
+              <a:t>의 수는 </a:t>
+            </a:r>
+            <a:r>
+              <a:rPr lang="en-US" altLang="ko-KR" sz="1200" b="0" i="0" kern="1200" dirty="0">
+                <a:solidFill>
+                  <a:schemeClr val="tx1"/>
+                </a:solidFill>
+                <a:effectLst/>
+                <a:latin typeface="+mn-lt"/>
+                <a:ea typeface="+mn-ea"/>
+                <a:cs typeface="+mn-cs"/>
+              </a:rPr>
+              <a:t>0</a:t>
+            </a:r>
+            <a:r>
+              <a:rPr lang="ko-KR" altLang="en-US" sz="1200" b="0" i="0" kern="1200" dirty="0">
+                <a:solidFill>
+                  <a:schemeClr val="tx1"/>
+                </a:solidFill>
+                <a:effectLst/>
+                <a:latin typeface="+mn-lt"/>
+                <a:ea typeface="+mn-ea"/>
+                <a:cs typeface="+mn-cs"/>
+              </a:rPr>
+              <a:t>이다</a:t>
+            </a:r>
+            <a:r>
+              <a:rPr lang="en-US" altLang="ko-KR" sz="1200" b="0" i="0" kern="1200" dirty="0">
+                <a:solidFill>
+                  <a:schemeClr val="tx1"/>
+                </a:solidFill>
+                <a:effectLst/>
+                <a:latin typeface="+mn-lt"/>
+                <a:ea typeface="+mn-ea"/>
+                <a:cs typeface="+mn-cs"/>
+              </a:rPr>
+              <a:t>.</a:t>
+            </a:r>
           </a:p>
           <a:p>
             <a:endParaRPr lang="ko-KR" altLang="en-US" dirty="0"/>
@@ -4589,7 +6234,7 @@
             </a:r>
             <a:r>
               <a:rPr lang="en-US" altLang="ko-KR" dirty="0"/>
-              <a:t>227 x 227 x 3</a:t>
+              <a:t>224 x 224 x 3</a:t>
             </a:r>
             <a:r>
               <a:rPr lang="ko-KR" altLang="en-US" dirty="0"/>
@@ -9197,7 +10842,7 @@
                 <a:ea typeface="+mn-ea"/>
                 <a:cs typeface="+mn-cs"/>
               </a:rPr>
-              <a:t>참고로 지금은 성능상 큰 이점이 없어서 잘 사용하지는 않습니다</a:t>
+              <a:t>참고로 실제로는 성능상 큰 이점이 없어서 잘 사용하지는 않는다고 합니다</a:t>
             </a:r>
             <a:r>
               <a:rPr lang="en-US" altLang="ko-KR" sz="1200" b="0" i="0" kern="1200" dirty="0">
@@ -9357,7 +11002,7 @@
           <a:p>
             <a:fld id="{D1EDAF9C-3450-445D-8CA0-1446518059A7}" type="datetime1">
               <a:rPr lang="ko-KR" altLang="en-US" smtClean="0"/>
-              <a:t>2019-03-20</a:t>
+              <a:t>2019-03-21</a:t>
             </a:fld>
             <a:endParaRPr lang="ko-KR" altLang="en-US"/>
           </a:p>
@@ -9656,7 +11301,7 @@
           <a:p>
             <a:fld id="{2CD7228A-E312-4D41-B016-8527BA16FA74}" type="datetime1">
               <a:rPr lang="ko-KR" altLang="en-US" smtClean="0"/>
-              <a:t>2019-03-20</a:t>
+              <a:t>2019-03-21</a:t>
             </a:fld>
             <a:endParaRPr lang="ko-KR" altLang="en-US" dirty="0"/>
           </a:p>
@@ -9835,7 +11480,7 @@
           <a:p>
             <a:fld id="{341595CD-18C5-4F9B-A4C3-328D11825D06}" type="datetime1">
               <a:rPr lang="ko-KR" altLang="en-US" smtClean="0"/>
-              <a:t>2019-03-20</a:t>
+              <a:t>2019-03-21</a:t>
             </a:fld>
             <a:endParaRPr lang="ko-KR" altLang="en-US" dirty="0"/>
           </a:p>
@@ -9931,7 +11576,7 @@
           <a:p>
             <a:fld id="{929CD933-7055-4C8D-850A-45DB605B5FF1}" type="datetime1">
               <a:rPr lang="ko-KR" altLang="en-US" smtClean="0"/>
-              <a:t>2019-03-20</a:t>
+              <a:t>2019-03-21</a:t>
             </a:fld>
             <a:endParaRPr lang="ko-KR" altLang="en-US" dirty="0"/>
           </a:p>
@@ -10201,7 +11846,7 @@
           <a:p>
             <a:fld id="{23A442DF-5CD1-4427-8048-460833BF937D}" type="datetime1">
               <a:rPr lang="ko-KR" altLang="en-US" smtClean="0"/>
-              <a:t>2019-03-20</a:t>
+              <a:t>2019-03-21</a:t>
             </a:fld>
             <a:endParaRPr lang="ko-KR" altLang="en-US" dirty="0"/>
           </a:p>
@@ -10623,7 +12268,7 @@
           <a:p>
             <a:fld id="{CD825A58-EFFF-471F-B14C-1D67B8AD8102}" type="datetime1">
               <a:rPr lang="ko-KR" altLang="en-US" smtClean="0"/>
-              <a:t>2019-03-20</a:t>
+              <a:t>2019-03-21</a:t>
             </a:fld>
             <a:endParaRPr lang="ko-KR" altLang="en-US" dirty="0"/>
           </a:p>
@@ -10938,7 +12583,7 @@
           <a:p>
             <a:fld id="{B02901C8-3984-406E-8A29-F15CDE47FFBC}" type="datetime1">
               <a:rPr lang="ko-KR" altLang="en-US" smtClean="0"/>
-              <a:t>2019-03-20</a:t>
+              <a:t>2019-03-21</a:t>
             </a:fld>
             <a:endParaRPr lang="ko-KR" altLang="en-US" dirty="0"/>
           </a:p>
@@ -11379,7 +13024,7 @@
           <a:p>
             <a:fld id="{BFBED6F7-3348-474D-9AC4-474444BB68C8}" type="datetime1">
               <a:rPr lang="ko-KR" altLang="en-US" smtClean="0"/>
-              <a:t>2019-03-20</a:t>
+              <a:t>2019-03-21</a:t>
             </a:fld>
             <a:endParaRPr lang="ko-KR" altLang="en-US" dirty="0"/>
           </a:p>
@@ -11813,7 +13458,7 @@
           <a:p>
             <a:fld id="{46B703C8-F24F-49A4-BD9F-6B844BD94205}" type="datetime1">
               <a:rPr lang="ko-KR" altLang="en-US" smtClean="0"/>
-              <a:t>2019-03-20</a:t>
+              <a:t>2019-03-21</a:t>
             </a:fld>
             <a:endParaRPr lang="ko-KR" altLang="en-US" dirty="0"/>
           </a:p>
@@ -12000,7 +13645,7 @@
           <a:p>
             <a:fld id="{77317793-01EA-4DDA-97EF-7FB7BA997E91}" type="datetime1">
               <a:rPr lang="ko-KR" altLang="en-US" smtClean="0"/>
-              <a:t>2019-03-20</a:t>
+              <a:t>2019-03-21</a:t>
             </a:fld>
             <a:endParaRPr lang="ko-KR" altLang="en-US" dirty="0"/>
           </a:p>
@@ -12165,7 +13810,7 @@
           <a:p>
             <a:fld id="{7518633D-9903-4FCC-90A6-279D55C73988}" type="datetime1">
               <a:rPr lang="ko-KR" altLang="en-US" smtClean="0"/>
-              <a:t>2019-03-20</a:t>
+              <a:t>2019-03-21</a:t>
             </a:fld>
             <a:endParaRPr lang="ko-KR" altLang="en-US" dirty="0"/>
           </a:p>
@@ -12510,7 +14155,7 @@
           <a:p>
             <a:fld id="{DF88D4CC-6006-4E4A-A0BA-010B9BD6D32B}" type="datetime1">
               <a:rPr lang="ko-KR" altLang="en-US" smtClean="0"/>
-              <a:t>2019-03-20</a:t>
+              <a:t>2019-03-21</a:t>
             </a:fld>
             <a:endParaRPr lang="ko-KR" altLang="en-US" dirty="0"/>
           </a:p>
@@ -12832,7 +14477,7 @@
           <a:p>
             <a:fld id="{29012069-8704-4028-AB19-4BF8D97D15F3}" type="datetime1">
               <a:rPr lang="ko-KR" altLang="en-US" smtClean="0"/>
-              <a:t>2019-03-20</a:t>
+              <a:t>2019-03-21</a:t>
             </a:fld>
             <a:endParaRPr lang="ko-KR" altLang="en-US" dirty="0"/>
           </a:p>
@@ -13044,7 +14689,7 @@
           <a:p>
             <a:fld id="{51495937-8DEC-418B-AA40-8440F31A71EF}" type="datetime1">
               <a:rPr lang="ko-KR" altLang="en-US" smtClean="0"/>
-              <a:t>2019-03-20</a:t>
+              <a:t>2019-03-21</a:t>
             </a:fld>
             <a:endParaRPr lang="ko-KR" altLang="en-US" dirty="0"/>
           </a:p>
@@ -15659,7 +17304,7 @@
         <p:spPr>
           <a:xfrm>
             <a:off x="415234" y="1313646"/>
-            <a:ext cx="8633130" cy="5078313"/>
+            <a:ext cx="8633130" cy="5355312"/>
           </a:xfrm>
           <a:prstGeom prst="rect">
             <a:avLst/>
@@ -15690,15 +17335,7 @@
             </a:r>
             <a:r>
               <a:rPr lang="ko-KR" altLang="en-US" dirty="0"/>
-              <a:t>과 그의 동료들의 논문은 신경망을 사용한다는 이유로 선도적인 컴퓨터 비전 회의에서 거부되었고</a:t>
-            </a:r>
-            <a:r>
-              <a:rPr lang="en-US" altLang="ko-KR" dirty="0"/>
-              <a:t>, </a:t>
-            </a:r>
-            <a:r>
-              <a:rPr lang="ko-KR" altLang="en-US" dirty="0"/>
-              <a:t>따라서 비전 시스템을 설계하는 방법에 대한 통찰력을 제공하지 못했다</a:t>
+              <a:t>과 그의 공동 작업자의 논문은 신경 네트워크를 사용하여 비전 시스템을 설계하는 방법에 대한 통찰력을 제공하지 않는다는 이유로 주요 컴퓨터 비전 컨퍼런스에서 거부되었습니다</a:t>
             </a:r>
             <a:r>
               <a:rPr lang="en-US" altLang="ko-KR" dirty="0"/>
@@ -15713,17 +17350,11 @@
           </a:p>
           <a:p>
             <a:r>
-              <a:rPr lang="ko-KR" altLang="en-US" dirty="0">
-                <a:latin typeface="나눔스퀘어" panose="020B0600000101010101" pitchFamily="50" charset="-127"/>
-                <a:ea typeface="나눔스퀘어" panose="020B0600000101010101" pitchFamily="50" charset="-127"/>
-              </a:rPr>
-              <a:t>당시 대부분의 컴퓨터 비전 연구자들은 비전 시스템이 작업의 성격을 자세히 이해하여 신중하게 손으로 설계해야 한다고 믿었다</a:t>
-            </a:r>
-            <a:r>
-              <a:rPr lang="en-US" altLang="ko-KR" dirty="0">
-                <a:latin typeface="나눔스퀘어" panose="020B0600000101010101" pitchFamily="50" charset="-127"/>
-                <a:ea typeface="나눔스퀘어" panose="020B0600000101010101" pitchFamily="50" charset="-127"/>
-              </a:rPr>
+              <a:rPr lang="ko-KR" altLang="en-US" dirty="0"/>
+              <a:t>당시 대부분의 컴퓨터 비전 연구자들은 비전 시스템이 과제의 본질에 대한 상세한 이해를 통하여 신중하게 손으로 설계되어야 한다고 믿었습니다</a:t>
+            </a:r>
+            <a:r>
+              <a:rPr lang="en-US" altLang="ko-KR" dirty="0"/>
               <a:t>.</a:t>
             </a:r>
           </a:p>
@@ -15760,7 +17391,7 @@
             </a:r>
             <a:r>
               <a:rPr lang="ko-KR" altLang="en-US" dirty="0"/>
-              <a:t>컴퓨터 비전에서 늦어진  패러다임 변화를 촉발시켰다</a:t>
+              <a:t>컴퓨터 비전에서 늦어진  패러다임 변화를 촉발시켰습니다</a:t>
             </a:r>
             <a:r>
               <a:rPr lang="en-US" altLang="ko-KR" dirty="0"/>
@@ -16062,124 +17693,6 @@
       </p:sp>
       <p:sp>
         <p:nvSpPr>
-          <p:cNvPr id="4" name="TextBox 3">
-            <a:extLst>
-              <a:ext uri="{FF2B5EF4-FFF2-40B4-BE49-F238E27FC236}">
-                <a16:creationId xmlns:a16="http://schemas.microsoft.com/office/drawing/2014/main" id="{94E1F19D-2AF0-4787-9915-2ABD80E18CB6}"/>
-              </a:ext>
-            </a:extLst>
-          </p:cNvPr>
-          <p:cNvSpPr txBox="1"/>
-          <p:nvPr/>
-        </p:nvSpPr>
-        <p:spPr>
-          <a:xfrm>
-            <a:off x="441194" y="5143813"/>
-            <a:ext cx="8633130" cy="1200329"/>
-          </a:xfrm>
-          <a:prstGeom prst="rect">
-            <a:avLst/>
-          </a:prstGeom>
-          <a:noFill/>
-        </p:spPr>
-        <p:txBody>
-          <a:bodyPr wrap="square" rtlCol="0">
-            <a:spAutoFit/>
-          </a:bodyPr>
-          <a:lstStyle/>
-          <a:p>
-            <a:r>
-              <a:rPr lang="en-US" altLang="ko-KR" dirty="0" err="1"/>
-              <a:t>AlexNet</a:t>
-            </a:r>
-            <a:r>
-              <a:rPr lang="ko-KR" altLang="en-US" dirty="0"/>
-              <a:t>은 총 </a:t>
-            </a:r>
-            <a:r>
-              <a:rPr lang="en-US" altLang="ko-KR" dirty="0"/>
-              <a:t>5</a:t>
-            </a:r>
-            <a:r>
-              <a:rPr lang="ko-KR" altLang="en-US" dirty="0"/>
-              <a:t>개의 </a:t>
-            </a:r>
-            <a:r>
-              <a:rPr lang="en-US" altLang="ko-KR" dirty="0"/>
-              <a:t>convolution layers</a:t>
-            </a:r>
-            <a:r>
-              <a:rPr lang="ko-KR" altLang="en-US" dirty="0"/>
-              <a:t>와 </a:t>
-            </a:r>
-            <a:r>
-              <a:rPr lang="en-US" altLang="ko-KR" dirty="0"/>
-              <a:t>3</a:t>
-            </a:r>
-            <a:r>
-              <a:rPr lang="ko-KR" altLang="en-US" dirty="0"/>
-              <a:t>개의 </a:t>
-            </a:r>
-            <a:r>
-              <a:rPr lang="en-US" altLang="ko-KR" dirty="0"/>
-              <a:t>full-connected layers</a:t>
-            </a:r>
-            <a:r>
-              <a:rPr lang="ko-KR" altLang="en-US" dirty="0"/>
-              <a:t>로 구성이 되어 있으며</a:t>
-            </a:r>
-            <a:r>
-              <a:rPr lang="en-US" altLang="ko-KR" dirty="0"/>
-              <a:t>,</a:t>
-            </a:r>
-            <a:endParaRPr lang="ko-KR" altLang="en-US" dirty="0"/>
-          </a:p>
-          <a:p>
-            <a:r>
-              <a:rPr lang="ko-KR" altLang="en-US" dirty="0"/>
-              <a:t>마지막 </a:t>
-            </a:r>
-            <a:r>
-              <a:rPr lang="en-US" altLang="ko-KR" dirty="0"/>
-              <a:t>layer</a:t>
-            </a:r>
-            <a:r>
-              <a:rPr lang="ko-KR" altLang="en-US" dirty="0"/>
-              <a:t>는 </a:t>
-            </a:r>
-            <a:r>
-              <a:rPr lang="en-US" altLang="ko-KR" dirty="0"/>
-              <a:t>1000</a:t>
-            </a:r>
-            <a:r>
-              <a:rPr lang="ko-KR" altLang="en-US" dirty="0"/>
-              <a:t>개의 </a:t>
-            </a:r>
-            <a:r>
-              <a:rPr lang="en-US" altLang="ko-KR" dirty="0"/>
-              <a:t>category</a:t>
-            </a:r>
-            <a:r>
-              <a:rPr lang="ko-KR" altLang="en-US" dirty="0"/>
-              <a:t>로 분류를 위해 활성 함수로 </a:t>
-            </a:r>
-            <a:r>
-              <a:rPr lang="en-US" altLang="ko-KR" dirty="0" err="1"/>
-              <a:t>softmax</a:t>
-            </a:r>
-            <a:r>
-              <a:rPr lang="en-US" altLang="ko-KR" dirty="0"/>
-              <a:t> </a:t>
-            </a:r>
-            <a:r>
-              <a:rPr lang="ko-KR" altLang="en-US" dirty="0"/>
-              <a:t>함수를 사용하고 있음을 알 수 있다</a:t>
-            </a:r>
-          </a:p>
-        </p:txBody>
-      </p:sp>
-      <p:sp>
-        <p:nvSpPr>
           <p:cNvPr id="5" name="슬라이드 번호 개체 틀 4">
             <a:extLst>
               <a:ext uri="{FF2B5EF4-FFF2-40B4-BE49-F238E27FC236}">
@@ -16237,8 +17750,8 @@
         </p:blipFill>
         <p:spPr bwMode="auto">
           <a:xfrm>
-            <a:off x="1017712" y="1313646"/>
-            <a:ext cx="7048500" cy="3657600"/>
+            <a:off x="450038" y="1290036"/>
+            <a:ext cx="8243924" cy="4277928"/>
           </a:xfrm>
           <a:prstGeom prst="rect">
             <a:avLst/>
